--- a/14_extratask/05_School/レッスン14_課題⑤.pptx
+++ b/14_extratask/05_School/レッスン14_課題⑤.pptx
@@ -3792,7 +3792,7 @@
           <a:lstStyle/>
           <a:p>
             <a:pPr algn="ctr"/>
-            <a:endParaRPr kumimoji="1" lang="ja-JP" altLang="en-US"/>
+            <a:endParaRPr kumimoji="1" lang="ja-JP" altLang="en-US" dirty="0"/>
           </a:p>
         </p:txBody>
       </p:sp>
@@ -3810,8 +3810,8 @@
         </p:nvSpPr>
         <p:spPr>
           <a:xfrm>
-            <a:off x="141257" y="1109538"/>
-            <a:ext cx="369332" cy="1590174"/>
+            <a:off x="141243" y="1107385"/>
+            <a:ext cx="369332" cy="1281783"/>
           </a:xfrm>
           <a:prstGeom prst="rect">
             <a:avLst/>
@@ -3881,8 +3881,8 @@
         </p:nvSpPr>
         <p:spPr>
           <a:xfrm>
-            <a:off x="141257" y="3791324"/>
-            <a:ext cx="369332" cy="1590174"/>
+            <a:off x="141243" y="3955257"/>
+            <a:ext cx="369332" cy="1011489"/>
           </a:xfrm>
           <a:prstGeom prst="rect">
             <a:avLst/>
@@ -3916,7 +3916,7 @@
         </p:nvSpPr>
         <p:spPr>
           <a:xfrm>
-            <a:off x="141256" y="5325352"/>
+            <a:off x="141243" y="5435811"/>
             <a:ext cx="369332" cy="1465096"/>
           </a:xfrm>
           <a:prstGeom prst="rect">
@@ -4100,6 +4100,1950 @@
           </a:fillRef>
           <a:effectRef idx="1">
             <a:schemeClr val="accent1"/>
+          </a:effectRef>
+          <a:fontRef idx="minor">
+            <a:schemeClr val="tx1"/>
+          </a:fontRef>
+        </p:style>
+      </p:cxnSp>
+      <p:sp>
+        <p:nvSpPr>
+          <p:cNvPr id="18" name="楕円 17">
+            <a:extLst>
+              <a:ext uri="{FF2B5EF4-FFF2-40B4-BE49-F238E27FC236}">
+                <a16:creationId xmlns:a16="http://schemas.microsoft.com/office/drawing/2014/main" id="{5282E9B1-3BA4-D673-D119-E8A23D771BBA}"/>
+              </a:ext>
+            </a:extLst>
+          </p:cNvPr>
+          <p:cNvSpPr/>
+          <p:nvPr/>
+        </p:nvSpPr>
+        <p:spPr>
+          <a:xfrm>
+            <a:off x="561838" y="1574980"/>
+            <a:ext cx="795866" cy="344442"/>
+          </a:xfrm>
+          <a:prstGeom prst="ellipse">
+            <a:avLst/>
+          </a:prstGeom>
+          <a:noFill/>
+          <a:ln>
+            <a:solidFill>
+              <a:schemeClr val="tx1"/>
+            </a:solidFill>
+          </a:ln>
+        </p:spPr>
+        <p:style>
+          <a:lnRef idx="2">
+            <a:schemeClr val="accent1">
+              <a:shade val="15000"/>
+            </a:schemeClr>
+          </a:lnRef>
+          <a:fillRef idx="1">
+            <a:schemeClr val="accent1"/>
+          </a:fillRef>
+          <a:effectRef idx="0">
+            <a:schemeClr val="accent1"/>
+          </a:effectRef>
+          <a:fontRef idx="minor">
+            <a:schemeClr val="lt1"/>
+          </a:fontRef>
+        </p:style>
+        <p:txBody>
+          <a:bodyPr rtlCol="0" anchor="ctr"/>
+          <a:lstStyle/>
+          <a:p>
+            <a:pPr algn="ctr"/>
+            <a:r>
+              <a:rPr kumimoji="1" lang="ja-JP" altLang="en-US" sz="1200" dirty="0">
+                <a:solidFill>
+                  <a:schemeClr val="tx1"/>
+                </a:solidFill>
+              </a:rPr>
+              <a:t>開始</a:t>
+            </a:r>
+          </a:p>
+        </p:txBody>
+      </p:sp>
+      <p:sp>
+        <p:nvSpPr>
+          <p:cNvPr id="20" name="四角形: 角を丸くする 19">
+            <a:extLst>
+              <a:ext uri="{FF2B5EF4-FFF2-40B4-BE49-F238E27FC236}">
+                <a16:creationId xmlns:a16="http://schemas.microsoft.com/office/drawing/2014/main" id="{0E4FAC04-C597-3A91-D7AF-436F56AD9F4F}"/>
+              </a:ext>
+            </a:extLst>
+          </p:cNvPr>
+          <p:cNvSpPr/>
+          <p:nvPr/>
+        </p:nvSpPr>
+        <p:spPr>
+          <a:xfrm>
+            <a:off x="1628118" y="1574980"/>
+            <a:ext cx="1774825" cy="344435"/>
+          </a:xfrm>
+          <a:prstGeom prst="roundRect">
+            <a:avLst/>
+          </a:prstGeom>
+          <a:noFill/>
+          <a:ln>
+            <a:solidFill>
+              <a:schemeClr val="tx1"/>
+            </a:solidFill>
+          </a:ln>
+        </p:spPr>
+        <p:style>
+          <a:lnRef idx="2">
+            <a:schemeClr val="accent1">
+              <a:shade val="15000"/>
+            </a:schemeClr>
+          </a:lnRef>
+          <a:fillRef idx="1">
+            <a:schemeClr val="accent1"/>
+          </a:fillRef>
+          <a:effectRef idx="0">
+            <a:schemeClr val="accent1"/>
+          </a:effectRef>
+          <a:fontRef idx="minor">
+            <a:schemeClr val="lt1"/>
+          </a:fontRef>
+        </p:style>
+        <p:txBody>
+          <a:bodyPr rtlCol="0" anchor="ctr"/>
+          <a:lstStyle/>
+          <a:p>
+            <a:pPr algn="ctr"/>
+            <a:r>
+              <a:rPr kumimoji="1" lang="ja-JP" altLang="en-US" sz="1200" dirty="0">
+                <a:solidFill>
+                  <a:schemeClr val="tx1"/>
+                </a:solidFill>
+              </a:rPr>
+              <a:t>システムにログイン</a:t>
+            </a:r>
+          </a:p>
+        </p:txBody>
+      </p:sp>
+      <p:cxnSp>
+        <p:nvCxnSpPr>
+          <p:cNvPr id="22" name="直線矢印コネクタ 21">
+            <a:extLst>
+              <a:ext uri="{FF2B5EF4-FFF2-40B4-BE49-F238E27FC236}">
+                <a16:creationId xmlns:a16="http://schemas.microsoft.com/office/drawing/2014/main" id="{99628742-DD76-31A5-7766-AFD84350EA1A}"/>
+              </a:ext>
+            </a:extLst>
+          </p:cNvPr>
+          <p:cNvCxnSpPr>
+            <a:stCxn id="18" idx="6"/>
+            <a:endCxn id="20" idx="1"/>
+          </p:cNvCxnSpPr>
+          <p:nvPr/>
+        </p:nvCxnSpPr>
+        <p:spPr>
+          <a:xfrm flipV="1">
+            <a:off x="1357704" y="1747198"/>
+            <a:ext cx="270414" cy="3"/>
+          </a:xfrm>
+          <a:prstGeom prst="straightConnector1">
+            <a:avLst/>
+          </a:prstGeom>
+          <a:ln>
+            <a:tailEnd type="triangle"/>
+          </a:ln>
+        </p:spPr>
+        <p:style>
+          <a:lnRef idx="2">
+            <a:schemeClr val="dk1"/>
+          </a:lnRef>
+          <a:fillRef idx="0">
+            <a:schemeClr val="dk1"/>
+          </a:fillRef>
+          <a:effectRef idx="1">
+            <a:schemeClr val="dk1"/>
+          </a:effectRef>
+          <a:fontRef idx="minor">
+            <a:schemeClr val="tx1"/>
+          </a:fontRef>
+        </p:style>
+      </p:cxnSp>
+      <p:sp>
+        <p:nvSpPr>
+          <p:cNvPr id="25" name="四角形: 角を丸くする 24">
+            <a:extLst>
+              <a:ext uri="{FF2B5EF4-FFF2-40B4-BE49-F238E27FC236}">
+                <a16:creationId xmlns:a16="http://schemas.microsoft.com/office/drawing/2014/main" id="{CE3633BC-4694-565E-AA3F-1FACE6659107}"/>
+              </a:ext>
+            </a:extLst>
+          </p:cNvPr>
+          <p:cNvSpPr/>
+          <p:nvPr/>
+        </p:nvSpPr>
+        <p:spPr>
+          <a:xfrm>
+            <a:off x="561838" y="5797132"/>
+            <a:ext cx="1774825" cy="344435"/>
+          </a:xfrm>
+          <a:prstGeom prst="roundRect">
+            <a:avLst/>
+          </a:prstGeom>
+          <a:noFill/>
+          <a:ln>
+            <a:solidFill>
+              <a:schemeClr val="tx1"/>
+            </a:solidFill>
+          </a:ln>
+        </p:spPr>
+        <p:style>
+          <a:lnRef idx="2">
+            <a:schemeClr val="accent1">
+              <a:shade val="15000"/>
+            </a:schemeClr>
+          </a:lnRef>
+          <a:fillRef idx="1">
+            <a:schemeClr val="accent1"/>
+          </a:fillRef>
+          <a:effectRef idx="0">
+            <a:schemeClr val="accent1"/>
+          </a:effectRef>
+          <a:fontRef idx="minor">
+            <a:schemeClr val="lt1"/>
+          </a:fontRef>
+        </p:style>
+        <p:txBody>
+          <a:bodyPr rtlCol="0" anchor="ctr"/>
+          <a:lstStyle/>
+          <a:p>
+            <a:pPr algn="ctr"/>
+            <a:r>
+              <a:rPr kumimoji="1" lang="ja-JP" altLang="en-US" sz="1200" dirty="0">
+                <a:solidFill>
+                  <a:schemeClr val="tx1"/>
+                </a:solidFill>
+              </a:rPr>
+              <a:t>システムにログイン</a:t>
+            </a:r>
+          </a:p>
+        </p:txBody>
+      </p:sp>
+      <p:sp>
+        <p:nvSpPr>
+          <p:cNvPr id="26" name="四角形: 角を丸くする 25">
+            <a:extLst>
+              <a:ext uri="{FF2B5EF4-FFF2-40B4-BE49-F238E27FC236}">
+                <a16:creationId xmlns:a16="http://schemas.microsoft.com/office/drawing/2014/main" id="{B39B967B-A736-F9F4-DB9D-AEC59FF2EB3C}"/>
+              </a:ext>
+            </a:extLst>
+          </p:cNvPr>
+          <p:cNvSpPr/>
+          <p:nvPr/>
+        </p:nvSpPr>
+        <p:spPr>
+          <a:xfrm>
+            <a:off x="9164321" y="2904073"/>
+            <a:ext cx="1774825" cy="344435"/>
+          </a:xfrm>
+          <a:prstGeom prst="roundRect">
+            <a:avLst/>
+          </a:prstGeom>
+          <a:noFill/>
+          <a:ln>
+            <a:solidFill>
+              <a:schemeClr val="tx1"/>
+            </a:solidFill>
+          </a:ln>
+        </p:spPr>
+        <p:style>
+          <a:lnRef idx="2">
+            <a:schemeClr val="accent1">
+              <a:shade val="15000"/>
+            </a:schemeClr>
+          </a:lnRef>
+          <a:fillRef idx="1">
+            <a:schemeClr val="accent1"/>
+          </a:fillRef>
+          <a:effectRef idx="0">
+            <a:schemeClr val="accent1"/>
+          </a:effectRef>
+          <a:fontRef idx="minor">
+            <a:schemeClr val="lt1"/>
+          </a:fontRef>
+        </p:style>
+        <p:txBody>
+          <a:bodyPr rtlCol="0" anchor="ctr"/>
+          <a:lstStyle/>
+          <a:p>
+            <a:pPr algn="ctr"/>
+            <a:r>
+              <a:rPr kumimoji="1" lang="ja-JP" altLang="en-US" sz="1200" dirty="0">
+                <a:solidFill>
+                  <a:schemeClr val="tx1"/>
+                </a:solidFill>
+              </a:rPr>
+              <a:t>通知表の作成</a:t>
+            </a:r>
+          </a:p>
+        </p:txBody>
+      </p:sp>
+      <p:sp>
+        <p:nvSpPr>
+          <p:cNvPr id="27" name="四角形: 角を丸くする 26">
+            <a:extLst>
+              <a:ext uri="{FF2B5EF4-FFF2-40B4-BE49-F238E27FC236}">
+                <a16:creationId xmlns:a16="http://schemas.microsoft.com/office/drawing/2014/main" id="{916F036E-C5C4-D17C-B0C5-B3FF1F9354B0}"/>
+              </a:ext>
+            </a:extLst>
+          </p:cNvPr>
+          <p:cNvSpPr/>
+          <p:nvPr/>
+        </p:nvSpPr>
+        <p:spPr>
+          <a:xfrm>
+            <a:off x="547851" y="4303530"/>
+            <a:ext cx="1774825" cy="344435"/>
+          </a:xfrm>
+          <a:prstGeom prst="roundRect">
+            <a:avLst/>
+          </a:prstGeom>
+          <a:noFill/>
+          <a:ln>
+            <a:solidFill>
+              <a:schemeClr val="tx1"/>
+            </a:solidFill>
+          </a:ln>
+        </p:spPr>
+        <p:style>
+          <a:lnRef idx="2">
+            <a:schemeClr val="accent1">
+              <a:shade val="15000"/>
+            </a:schemeClr>
+          </a:lnRef>
+          <a:fillRef idx="1">
+            <a:schemeClr val="accent1"/>
+          </a:fillRef>
+          <a:effectRef idx="0">
+            <a:schemeClr val="accent1"/>
+          </a:effectRef>
+          <a:fontRef idx="minor">
+            <a:schemeClr val="lt1"/>
+          </a:fontRef>
+        </p:style>
+        <p:txBody>
+          <a:bodyPr rtlCol="0" anchor="ctr"/>
+          <a:lstStyle/>
+          <a:p>
+            <a:pPr algn="ctr"/>
+            <a:r>
+              <a:rPr kumimoji="1" lang="ja-JP" altLang="en-US" sz="1200" dirty="0">
+                <a:solidFill>
+                  <a:schemeClr val="tx1"/>
+                </a:solidFill>
+              </a:rPr>
+              <a:t>システムにログイン</a:t>
+            </a:r>
+          </a:p>
+        </p:txBody>
+      </p:sp>
+      <p:sp>
+        <p:nvSpPr>
+          <p:cNvPr id="28" name="四角形: 角を丸くする 27">
+            <a:extLst>
+              <a:ext uri="{FF2B5EF4-FFF2-40B4-BE49-F238E27FC236}">
+                <a16:creationId xmlns:a16="http://schemas.microsoft.com/office/drawing/2014/main" id="{F1AB20AF-D294-8DEE-2A85-1F9E0A85387A}"/>
+              </a:ext>
+            </a:extLst>
+          </p:cNvPr>
+          <p:cNvSpPr/>
+          <p:nvPr/>
+        </p:nvSpPr>
+        <p:spPr>
+          <a:xfrm>
+            <a:off x="548270" y="2919104"/>
+            <a:ext cx="1774825" cy="344435"/>
+          </a:xfrm>
+          <a:prstGeom prst="roundRect">
+            <a:avLst/>
+          </a:prstGeom>
+          <a:noFill/>
+          <a:ln>
+            <a:solidFill>
+              <a:schemeClr val="tx1"/>
+            </a:solidFill>
+          </a:ln>
+        </p:spPr>
+        <p:style>
+          <a:lnRef idx="2">
+            <a:schemeClr val="accent1">
+              <a:shade val="15000"/>
+            </a:schemeClr>
+          </a:lnRef>
+          <a:fillRef idx="1">
+            <a:schemeClr val="accent1"/>
+          </a:fillRef>
+          <a:effectRef idx="0">
+            <a:schemeClr val="accent1"/>
+          </a:effectRef>
+          <a:fontRef idx="minor">
+            <a:schemeClr val="lt1"/>
+          </a:fontRef>
+        </p:style>
+        <p:txBody>
+          <a:bodyPr rtlCol="0" anchor="ctr"/>
+          <a:lstStyle/>
+          <a:p>
+            <a:pPr algn="ctr"/>
+            <a:r>
+              <a:rPr kumimoji="1" lang="ja-JP" altLang="en-US" sz="1200" dirty="0">
+                <a:solidFill>
+                  <a:schemeClr val="tx1"/>
+                </a:solidFill>
+              </a:rPr>
+              <a:t>システムにログイン</a:t>
+            </a:r>
+          </a:p>
+        </p:txBody>
+      </p:sp>
+      <p:sp>
+        <p:nvSpPr>
+          <p:cNvPr id="29" name="楕円 28">
+            <a:extLst>
+              <a:ext uri="{FF2B5EF4-FFF2-40B4-BE49-F238E27FC236}">
+                <a16:creationId xmlns:a16="http://schemas.microsoft.com/office/drawing/2014/main" id="{4F4610F7-427B-9B36-2F9D-CA78E6065BCE}"/>
+              </a:ext>
+            </a:extLst>
+          </p:cNvPr>
+          <p:cNvSpPr/>
+          <p:nvPr/>
+        </p:nvSpPr>
+        <p:spPr>
+          <a:xfrm>
+            <a:off x="11145704" y="5797132"/>
+            <a:ext cx="795866" cy="344442"/>
+          </a:xfrm>
+          <a:prstGeom prst="ellipse">
+            <a:avLst/>
+          </a:prstGeom>
+          <a:noFill/>
+          <a:ln>
+            <a:solidFill>
+              <a:schemeClr val="tx1"/>
+            </a:solidFill>
+          </a:ln>
+        </p:spPr>
+        <p:style>
+          <a:lnRef idx="2">
+            <a:schemeClr val="accent1">
+              <a:shade val="15000"/>
+            </a:schemeClr>
+          </a:lnRef>
+          <a:fillRef idx="1">
+            <a:schemeClr val="accent1"/>
+          </a:fillRef>
+          <a:effectRef idx="0">
+            <a:schemeClr val="accent1"/>
+          </a:effectRef>
+          <a:fontRef idx="minor">
+            <a:schemeClr val="lt1"/>
+          </a:fontRef>
+        </p:style>
+        <p:txBody>
+          <a:bodyPr rtlCol="0" anchor="ctr"/>
+          <a:lstStyle/>
+          <a:p>
+            <a:pPr algn="ctr"/>
+            <a:r>
+              <a:rPr kumimoji="1" lang="ja-JP" altLang="en-US" sz="1200" dirty="0">
+                <a:solidFill>
+                  <a:schemeClr val="tx1"/>
+                </a:solidFill>
+              </a:rPr>
+              <a:t>終了</a:t>
+            </a:r>
+          </a:p>
+        </p:txBody>
+      </p:sp>
+      <p:sp>
+        <p:nvSpPr>
+          <p:cNvPr id="30" name="四角形: 角を丸くする 29">
+            <a:extLst>
+              <a:ext uri="{FF2B5EF4-FFF2-40B4-BE49-F238E27FC236}">
+                <a16:creationId xmlns:a16="http://schemas.microsoft.com/office/drawing/2014/main" id="{5269E163-A820-40FF-529A-B3E36F6FFC65}"/>
+              </a:ext>
+            </a:extLst>
+          </p:cNvPr>
+          <p:cNvSpPr/>
+          <p:nvPr/>
+        </p:nvSpPr>
+        <p:spPr>
+          <a:xfrm>
+            <a:off x="2849741" y="5797131"/>
+            <a:ext cx="1774825" cy="344435"/>
+          </a:xfrm>
+          <a:prstGeom prst="roundRect">
+            <a:avLst/>
+          </a:prstGeom>
+          <a:noFill/>
+          <a:ln>
+            <a:solidFill>
+              <a:schemeClr val="tx1"/>
+            </a:solidFill>
+          </a:ln>
+        </p:spPr>
+        <p:style>
+          <a:lnRef idx="2">
+            <a:schemeClr val="accent1">
+              <a:shade val="15000"/>
+            </a:schemeClr>
+          </a:lnRef>
+          <a:fillRef idx="1">
+            <a:schemeClr val="accent1"/>
+          </a:fillRef>
+          <a:effectRef idx="0">
+            <a:schemeClr val="accent1"/>
+          </a:effectRef>
+          <a:fontRef idx="minor">
+            <a:schemeClr val="lt1"/>
+          </a:fontRef>
+        </p:style>
+        <p:txBody>
+          <a:bodyPr rtlCol="0" anchor="ctr"/>
+          <a:lstStyle/>
+          <a:p>
+            <a:pPr algn="ctr"/>
+            <a:r>
+              <a:rPr lang="ja-JP" altLang="en-US" sz="1200" dirty="0">
+                <a:solidFill>
+                  <a:schemeClr val="tx1"/>
+                </a:solidFill>
+              </a:rPr>
+              <a:t>通知表・順位の閲覧</a:t>
+            </a:r>
+            <a:endParaRPr kumimoji="1" lang="ja-JP" altLang="en-US" sz="1200" dirty="0">
+              <a:solidFill>
+                <a:schemeClr val="tx1"/>
+              </a:solidFill>
+            </a:endParaRPr>
+          </a:p>
+        </p:txBody>
+      </p:sp>
+      <p:sp>
+        <p:nvSpPr>
+          <p:cNvPr id="31" name="四角形: 角を丸くする 30">
+            <a:extLst>
+              <a:ext uri="{FF2B5EF4-FFF2-40B4-BE49-F238E27FC236}">
+                <a16:creationId xmlns:a16="http://schemas.microsoft.com/office/drawing/2014/main" id="{BE8B3E73-CAE3-B2C4-DF1C-D0071D17057F}"/>
+              </a:ext>
+            </a:extLst>
+          </p:cNvPr>
+          <p:cNvSpPr/>
+          <p:nvPr/>
+        </p:nvSpPr>
+        <p:spPr>
+          <a:xfrm>
+            <a:off x="9164321" y="1540481"/>
+            <a:ext cx="1774825" cy="344435"/>
+          </a:xfrm>
+          <a:prstGeom prst="roundRect">
+            <a:avLst/>
+          </a:prstGeom>
+          <a:noFill/>
+          <a:ln>
+            <a:solidFill>
+              <a:schemeClr val="tx1"/>
+            </a:solidFill>
+          </a:ln>
+        </p:spPr>
+        <p:style>
+          <a:lnRef idx="2">
+            <a:schemeClr val="accent1">
+              <a:shade val="15000"/>
+            </a:schemeClr>
+          </a:lnRef>
+          <a:fillRef idx="1">
+            <a:schemeClr val="accent1"/>
+          </a:fillRef>
+          <a:effectRef idx="0">
+            <a:schemeClr val="accent1"/>
+          </a:effectRef>
+          <a:fontRef idx="minor">
+            <a:schemeClr val="lt1"/>
+          </a:fontRef>
+        </p:style>
+        <p:txBody>
+          <a:bodyPr rtlCol="0" anchor="ctr"/>
+          <a:lstStyle/>
+          <a:p>
+            <a:pPr algn="ctr"/>
+            <a:r>
+              <a:rPr lang="ja-JP" altLang="en-US" sz="1200" dirty="0">
+                <a:solidFill>
+                  <a:schemeClr val="tx1"/>
+                </a:solidFill>
+              </a:rPr>
+              <a:t>成績の入力</a:t>
+            </a:r>
+            <a:endParaRPr kumimoji="1" lang="ja-JP" altLang="en-US" sz="1200" dirty="0">
+              <a:solidFill>
+                <a:schemeClr val="tx1"/>
+              </a:solidFill>
+            </a:endParaRPr>
+          </a:p>
+        </p:txBody>
+      </p:sp>
+      <p:sp>
+        <p:nvSpPr>
+          <p:cNvPr id="32" name="四角形: 角を丸くする 31">
+            <a:extLst>
+              <a:ext uri="{FF2B5EF4-FFF2-40B4-BE49-F238E27FC236}">
+                <a16:creationId xmlns:a16="http://schemas.microsoft.com/office/drawing/2014/main" id="{3136F10A-AD00-C565-3E23-C4093CA6E11C}"/>
+              </a:ext>
+            </a:extLst>
+          </p:cNvPr>
+          <p:cNvSpPr/>
+          <p:nvPr/>
+        </p:nvSpPr>
+        <p:spPr>
+          <a:xfrm>
+            <a:off x="3673357" y="1574981"/>
+            <a:ext cx="1130072" cy="344434"/>
+          </a:xfrm>
+          <a:prstGeom prst="roundRect">
+            <a:avLst/>
+          </a:prstGeom>
+          <a:noFill/>
+          <a:ln>
+            <a:solidFill>
+              <a:schemeClr val="tx1"/>
+            </a:solidFill>
+          </a:ln>
+        </p:spPr>
+        <p:style>
+          <a:lnRef idx="2">
+            <a:schemeClr val="accent1">
+              <a:shade val="15000"/>
+            </a:schemeClr>
+          </a:lnRef>
+          <a:fillRef idx="1">
+            <a:schemeClr val="accent1"/>
+          </a:fillRef>
+          <a:effectRef idx="0">
+            <a:schemeClr val="accent1"/>
+          </a:effectRef>
+          <a:fontRef idx="minor">
+            <a:schemeClr val="lt1"/>
+          </a:fontRef>
+        </p:style>
+        <p:txBody>
+          <a:bodyPr rtlCol="0" anchor="ctr"/>
+          <a:lstStyle/>
+          <a:p>
+            <a:pPr algn="ctr"/>
+            <a:r>
+              <a:rPr lang="ja-JP" altLang="en-US" sz="1200" dirty="0">
+                <a:solidFill>
+                  <a:schemeClr val="tx1"/>
+                </a:solidFill>
+              </a:rPr>
+              <a:t>生徒の選択</a:t>
+            </a:r>
+            <a:endParaRPr kumimoji="1" lang="ja-JP" altLang="en-US" sz="1200" dirty="0">
+              <a:solidFill>
+                <a:schemeClr val="tx1"/>
+              </a:solidFill>
+            </a:endParaRPr>
+          </a:p>
+        </p:txBody>
+      </p:sp>
+      <p:sp>
+        <p:nvSpPr>
+          <p:cNvPr id="33" name="四角形: 角を丸くする 32">
+            <a:extLst>
+              <a:ext uri="{FF2B5EF4-FFF2-40B4-BE49-F238E27FC236}">
+                <a16:creationId xmlns:a16="http://schemas.microsoft.com/office/drawing/2014/main" id="{8E8F829C-C0AA-AA2F-70D0-029C63D0B79E}"/>
+              </a:ext>
+            </a:extLst>
+          </p:cNvPr>
+          <p:cNvSpPr/>
+          <p:nvPr/>
+        </p:nvSpPr>
+        <p:spPr>
+          <a:xfrm>
+            <a:off x="5073842" y="1556488"/>
+            <a:ext cx="1774825" cy="344435"/>
+          </a:xfrm>
+          <a:prstGeom prst="roundRect">
+            <a:avLst/>
+          </a:prstGeom>
+          <a:noFill/>
+          <a:ln>
+            <a:solidFill>
+              <a:schemeClr val="tx1"/>
+            </a:solidFill>
+          </a:ln>
+        </p:spPr>
+        <p:style>
+          <a:lnRef idx="2">
+            <a:schemeClr val="accent1">
+              <a:shade val="15000"/>
+            </a:schemeClr>
+          </a:lnRef>
+          <a:fillRef idx="1">
+            <a:schemeClr val="accent1"/>
+          </a:fillRef>
+          <a:effectRef idx="0">
+            <a:schemeClr val="accent1"/>
+          </a:effectRef>
+          <a:fontRef idx="minor">
+            <a:schemeClr val="lt1"/>
+          </a:fontRef>
+        </p:style>
+        <p:txBody>
+          <a:bodyPr rtlCol="0" anchor="ctr"/>
+          <a:lstStyle/>
+          <a:p>
+            <a:pPr algn="ctr"/>
+            <a:r>
+              <a:rPr lang="ja-JP" altLang="en-US" sz="1200" dirty="0">
+                <a:solidFill>
+                  <a:schemeClr val="tx1"/>
+                </a:solidFill>
+              </a:rPr>
+              <a:t>テスト点数の入力</a:t>
+            </a:r>
+            <a:endParaRPr kumimoji="1" lang="ja-JP" altLang="en-US" sz="1200" dirty="0">
+              <a:solidFill>
+                <a:schemeClr val="tx1"/>
+              </a:solidFill>
+            </a:endParaRPr>
+          </a:p>
+        </p:txBody>
+      </p:sp>
+      <p:sp>
+        <p:nvSpPr>
+          <p:cNvPr id="34" name="四角形: 角を丸くする 33">
+            <a:extLst>
+              <a:ext uri="{FF2B5EF4-FFF2-40B4-BE49-F238E27FC236}">
+                <a16:creationId xmlns:a16="http://schemas.microsoft.com/office/drawing/2014/main" id="{94999D99-8C91-153E-68A5-B977705B641E}"/>
+              </a:ext>
+            </a:extLst>
+          </p:cNvPr>
+          <p:cNvSpPr/>
+          <p:nvPr/>
+        </p:nvSpPr>
+        <p:spPr>
+          <a:xfrm>
+            <a:off x="7119080" y="1537341"/>
+            <a:ext cx="1774825" cy="344435"/>
+          </a:xfrm>
+          <a:prstGeom prst="roundRect">
+            <a:avLst/>
+          </a:prstGeom>
+          <a:noFill/>
+          <a:ln>
+            <a:solidFill>
+              <a:schemeClr val="tx1"/>
+            </a:solidFill>
+          </a:ln>
+        </p:spPr>
+        <p:style>
+          <a:lnRef idx="2">
+            <a:schemeClr val="accent1">
+              <a:shade val="15000"/>
+            </a:schemeClr>
+          </a:lnRef>
+          <a:fillRef idx="1">
+            <a:schemeClr val="accent1"/>
+          </a:fillRef>
+          <a:effectRef idx="0">
+            <a:schemeClr val="accent1"/>
+          </a:effectRef>
+          <a:fontRef idx="minor">
+            <a:schemeClr val="lt1"/>
+          </a:fontRef>
+        </p:style>
+        <p:txBody>
+          <a:bodyPr rtlCol="0" anchor="ctr"/>
+          <a:lstStyle/>
+          <a:p>
+            <a:pPr algn="ctr"/>
+            <a:r>
+              <a:rPr kumimoji="1" lang="ja-JP" altLang="en-US" sz="1200" dirty="0">
+                <a:solidFill>
+                  <a:schemeClr val="tx1"/>
+                </a:solidFill>
+              </a:rPr>
+              <a:t>総合評定の入力</a:t>
+            </a:r>
+          </a:p>
+        </p:txBody>
+      </p:sp>
+      <p:cxnSp>
+        <p:nvCxnSpPr>
+          <p:cNvPr id="36" name="直線矢印コネクタ 35">
+            <a:extLst>
+              <a:ext uri="{FF2B5EF4-FFF2-40B4-BE49-F238E27FC236}">
+                <a16:creationId xmlns:a16="http://schemas.microsoft.com/office/drawing/2014/main" id="{A958E70F-0486-C360-8CCC-393145FA8E58}"/>
+              </a:ext>
+            </a:extLst>
+          </p:cNvPr>
+          <p:cNvCxnSpPr>
+            <a:cxnSpLocks/>
+            <a:stCxn id="20" idx="3"/>
+            <a:endCxn id="32" idx="1"/>
+          </p:cNvCxnSpPr>
+          <p:nvPr/>
+        </p:nvCxnSpPr>
+        <p:spPr>
+          <a:xfrm>
+            <a:off x="3402943" y="1747198"/>
+            <a:ext cx="270414" cy="0"/>
+          </a:xfrm>
+          <a:prstGeom prst="straightConnector1">
+            <a:avLst/>
+          </a:prstGeom>
+          <a:ln>
+            <a:tailEnd type="triangle"/>
+          </a:ln>
+        </p:spPr>
+        <p:style>
+          <a:lnRef idx="2">
+            <a:schemeClr val="dk1"/>
+          </a:lnRef>
+          <a:fillRef idx="0">
+            <a:schemeClr val="dk1"/>
+          </a:fillRef>
+          <a:effectRef idx="1">
+            <a:schemeClr val="dk1"/>
+          </a:effectRef>
+          <a:fontRef idx="minor">
+            <a:schemeClr val="tx1"/>
+          </a:fontRef>
+        </p:style>
+      </p:cxnSp>
+      <p:cxnSp>
+        <p:nvCxnSpPr>
+          <p:cNvPr id="43" name="直線矢印コネクタ 42">
+            <a:extLst>
+              <a:ext uri="{FF2B5EF4-FFF2-40B4-BE49-F238E27FC236}">
+                <a16:creationId xmlns:a16="http://schemas.microsoft.com/office/drawing/2014/main" id="{8AFCC4A2-BF82-7E1F-0FAE-B83AFB412BAD}"/>
+              </a:ext>
+            </a:extLst>
+          </p:cNvPr>
+          <p:cNvCxnSpPr>
+            <a:cxnSpLocks/>
+            <a:stCxn id="32" idx="3"/>
+            <a:endCxn id="33" idx="1"/>
+          </p:cNvCxnSpPr>
+          <p:nvPr/>
+        </p:nvCxnSpPr>
+        <p:spPr>
+          <a:xfrm flipV="1">
+            <a:off x="4803429" y="1728706"/>
+            <a:ext cx="270413" cy="18492"/>
+          </a:xfrm>
+          <a:prstGeom prst="straightConnector1">
+            <a:avLst/>
+          </a:prstGeom>
+          <a:ln>
+            <a:tailEnd type="triangle"/>
+          </a:ln>
+        </p:spPr>
+        <p:style>
+          <a:lnRef idx="2">
+            <a:schemeClr val="dk1"/>
+          </a:lnRef>
+          <a:fillRef idx="0">
+            <a:schemeClr val="dk1"/>
+          </a:fillRef>
+          <a:effectRef idx="1">
+            <a:schemeClr val="dk1"/>
+          </a:effectRef>
+          <a:fontRef idx="minor">
+            <a:schemeClr val="tx1"/>
+          </a:fontRef>
+        </p:style>
+      </p:cxnSp>
+      <p:cxnSp>
+        <p:nvCxnSpPr>
+          <p:cNvPr id="46" name="直線矢印コネクタ 45">
+            <a:extLst>
+              <a:ext uri="{FF2B5EF4-FFF2-40B4-BE49-F238E27FC236}">
+                <a16:creationId xmlns:a16="http://schemas.microsoft.com/office/drawing/2014/main" id="{AC4F3C62-FF52-16C2-4AEE-6FABC62BC674}"/>
+              </a:ext>
+            </a:extLst>
+          </p:cNvPr>
+          <p:cNvCxnSpPr>
+            <a:cxnSpLocks/>
+            <a:stCxn id="33" idx="3"/>
+            <a:endCxn id="34" idx="1"/>
+          </p:cNvCxnSpPr>
+          <p:nvPr/>
+        </p:nvCxnSpPr>
+        <p:spPr>
+          <a:xfrm flipV="1">
+            <a:off x="6848667" y="1709559"/>
+            <a:ext cx="270413" cy="19147"/>
+          </a:xfrm>
+          <a:prstGeom prst="straightConnector1">
+            <a:avLst/>
+          </a:prstGeom>
+          <a:ln>
+            <a:tailEnd type="triangle"/>
+          </a:ln>
+        </p:spPr>
+        <p:style>
+          <a:lnRef idx="2">
+            <a:schemeClr val="dk1"/>
+          </a:lnRef>
+          <a:fillRef idx="0">
+            <a:schemeClr val="dk1"/>
+          </a:fillRef>
+          <a:effectRef idx="1">
+            <a:schemeClr val="dk1"/>
+          </a:effectRef>
+          <a:fontRef idx="minor">
+            <a:schemeClr val="tx1"/>
+          </a:fontRef>
+        </p:style>
+      </p:cxnSp>
+      <p:cxnSp>
+        <p:nvCxnSpPr>
+          <p:cNvPr id="49" name="直線矢印コネクタ 48">
+            <a:extLst>
+              <a:ext uri="{FF2B5EF4-FFF2-40B4-BE49-F238E27FC236}">
+                <a16:creationId xmlns:a16="http://schemas.microsoft.com/office/drawing/2014/main" id="{4027A608-6C57-F6AC-EAED-682DFFB83007}"/>
+              </a:ext>
+            </a:extLst>
+          </p:cNvPr>
+          <p:cNvCxnSpPr>
+            <a:cxnSpLocks/>
+            <a:stCxn id="34" idx="3"/>
+            <a:endCxn id="31" idx="1"/>
+          </p:cNvCxnSpPr>
+          <p:nvPr/>
+        </p:nvCxnSpPr>
+        <p:spPr>
+          <a:xfrm>
+            <a:off x="8893905" y="1709559"/>
+            <a:ext cx="270416" cy="3140"/>
+          </a:xfrm>
+          <a:prstGeom prst="straightConnector1">
+            <a:avLst/>
+          </a:prstGeom>
+          <a:ln>
+            <a:tailEnd type="triangle"/>
+          </a:ln>
+        </p:spPr>
+        <p:style>
+          <a:lnRef idx="2">
+            <a:schemeClr val="dk1"/>
+          </a:lnRef>
+          <a:fillRef idx="0">
+            <a:schemeClr val="dk1"/>
+          </a:fillRef>
+          <a:effectRef idx="1">
+            <a:schemeClr val="dk1"/>
+          </a:effectRef>
+          <a:fontRef idx="minor">
+            <a:schemeClr val="tx1"/>
+          </a:fontRef>
+        </p:style>
+      </p:cxnSp>
+      <p:cxnSp>
+        <p:nvCxnSpPr>
+          <p:cNvPr id="65" name="コネクタ: 曲線 64">
+            <a:extLst>
+              <a:ext uri="{FF2B5EF4-FFF2-40B4-BE49-F238E27FC236}">
+                <a16:creationId xmlns:a16="http://schemas.microsoft.com/office/drawing/2014/main" id="{E8B3D94C-7FBA-12F8-B096-8205AAF9A97B}"/>
+              </a:ext>
+            </a:extLst>
+          </p:cNvPr>
+          <p:cNvCxnSpPr>
+            <a:cxnSpLocks/>
+            <a:stCxn id="31" idx="2"/>
+            <a:endCxn id="69" idx="0"/>
+          </p:cNvCxnSpPr>
+          <p:nvPr/>
+        </p:nvCxnSpPr>
+        <p:spPr>
+          <a:xfrm rot="5400000">
+            <a:off x="7109827" y="-22803"/>
+            <a:ext cx="1034188" cy="4849627"/>
+          </a:xfrm>
+          <a:prstGeom prst="curvedConnector3">
+            <a:avLst>
+              <a:gd name="adj1" fmla="val 50000"/>
+            </a:avLst>
+          </a:prstGeom>
+          <a:ln w="19050" cap="flat" cmpd="sng" algn="ctr">
+            <a:solidFill>
+              <a:schemeClr val="dk1"/>
+            </a:solidFill>
+            <a:prstDash val="solid"/>
+            <a:round/>
+            <a:headEnd type="none" w="med" len="med"/>
+            <a:tailEnd type="arrow" w="med" len="med"/>
+          </a:ln>
+        </p:spPr>
+        <p:style>
+          <a:lnRef idx="0">
+            <a:scrgbClr r="0" g="0" b="0"/>
+          </a:lnRef>
+          <a:fillRef idx="0">
+            <a:scrgbClr r="0" g="0" b="0"/>
+          </a:fillRef>
+          <a:effectRef idx="0">
+            <a:scrgbClr r="0" g="0" b="0"/>
+          </a:effectRef>
+          <a:fontRef idx="minor">
+            <a:schemeClr val="tx1"/>
+          </a:fontRef>
+        </p:style>
+      </p:cxnSp>
+      <p:sp>
+        <p:nvSpPr>
+          <p:cNvPr id="68" name="四角形: 角を丸くする 67">
+            <a:extLst>
+              <a:ext uri="{FF2B5EF4-FFF2-40B4-BE49-F238E27FC236}">
+                <a16:creationId xmlns:a16="http://schemas.microsoft.com/office/drawing/2014/main" id="{EC497C4B-DF9A-D14D-069D-0084E4C3DB3B}"/>
+              </a:ext>
+            </a:extLst>
+          </p:cNvPr>
+          <p:cNvSpPr/>
+          <p:nvPr/>
+        </p:nvSpPr>
+        <p:spPr>
+          <a:xfrm>
+            <a:off x="2653363" y="2914396"/>
+            <a:ext cx="1130072" cy="344434"/>
+          </a:xfrm>
+          <a:prstGeom prst="roundRect">
+            <a:avLst/>
+          </a:prstGeom>
+          <a:noFill/>
+          <a:ln>
+            <a:solidFill>
+              <a:schemeClr val="tx1"/>
+            </a:solidFill>
+          </a:ln>
+        </p:spPr>
+        <p:style>
+          <a:lnRef idx="2">
+            <a:schemeClr val="accent1">
+              <a:shade val="15000"/>
+            </a:schemeClr>
+          </a:lnRef>
+          <a:fillRef idx="1">
+            <a:schemeClr val="accent1"/>
+          </a:fillRef>
+          <a:effectRef idx="0">
+            <a:schemeClr val="accent1"/>
+          </a:effectRef>
+          <a:fontRef idx="minor">
+            <a:schemeClr val="lt1"/>
+          </a:fontRef>
+        </p:style>
+        <p:txBody>
+          <a:bodyPr rtlCol="0" anchor="ctr"/>
+          <a:lstStyle/>
+          <a:p>
+            <a:pPr algn="ctr"/>
+            <a:r>
+              <a:rPr lang="ja-JP" altLang="en-US" sz="1200" dirty="0">
+                <a:solidFill>
+                  <a:schemeClr val="tx1"/>
+                </a:solidFill>
+              </a:rPr>
+              <a:t>生徒の選択</a:t>
+            </a:r>
+            <a:endParaRPr kumimoji="1" lang="ja-JP" altLang="en-US" sz="1200" dirty="0">
+              <a:solidFill>
+                <a:schemeClr val="tx1"/>
+              </a:solidFill>
+            </a:endParaRPr>
+          </a:p>
+        </p:txBody>
+      </p:sp>
+      <p:sp>
+        <p:nvSpPr>
+          <p:cNvPr id="69" name="四角形: 角を丸くする 68">
+            <a:extLst>
+              <a:ext uri="{FF2B5EF4-FFF2-40B4-BE49-F238E27FC236}">
+                <a16:creationId xmlns:a16="http://schemas.microsoft.com/office/drawing/2014/main" id="{5699B7D2-864F-2E80-0F8B-9A44A23F6F23}"/>
+              </a:ext>
+            </a:extLst>
+          </p:cNvPr>
+          <p:cNvSpPr/>
+          <p:nvPr/>
+        </p:nvSpPr>
+        <p:spPr>
+          <a:xfrm>
+            <a:off x="4314694" y="2919104"/>
+            <a:ext cx="1774825" cy="344435"/>
+          </a:xfrm>
+          <a:prstGeom prst="roundRect">
+            <a:avLst/>
+          </a:prstGeom>
+          <a:noFill/>
+          <a:ln>
+            <a:solidFill>
+              <a:schemeClr val="tx1"/>
+            </a:solidFill>
+          </a:ln>
+        </p:spPr>
+        <p:style>
+          <a:lnRef idx="2">
+            <a:schemeClr val="accent1">
+              <a:shade val="15000"/>
+            </a:schemeClr>
+          </a:lnRef>
+          <a:fillRef idx="1">
+            <a:schemeClr val="accent1"/>
+          </a:fillRef>
+          <a:effectRef idx="0">
+            <a:schemeClr val="accent1"/>
+          </a:effectRef>
+          <a:fontRef idx="minor">
+            <a:schemeClr val="lt1"/>
+          </a:fontRef>
+        </p:style>
+        <p:txBody>
+          <a:bodyPr rtlCol="0" anchor="ctr"/>
+          <a:lstStyle/>
+          <a:p>
+            <a:pPr algn="ctr"/>
+            <a:r>
+              <a:rPr kumimoji="1" lang="ja-JP" altLang="en-US" sz="1200" dirty="0">
+                <a:solidFill>
+                  <a:schemeClr val="tx1"/>
+                </a:solidFill>
+              </a:rPr>
+              <a:t>成績の閲覧</a:t>
+            </a:r>
+          </a:p>
+        </p:txBody>
+      </p:sp>
+      <p:cxnSp>
+        <p:nvCxnSpPr>
+          <p:cNvPr id="72" name="直線矢印コネクタ 71">
+            <a:extLst>
+              <a:ext uri="{FF2B5EF4-FFF2-40B4-BE49-F238E27FC236}">
+                <a16:creationId xmlns:a16="http://schemas.microsoft.com/office/drawing/2014/main" id="{286B2150-ED5B-C7DB-04A8-984AA0A97FD3}"/>
+              </a:ext>
+            </a:extLst>
+          </p:cNvPr>
+          <p:cNvCxnSpPr>
+            <a:cxnSpLocks/>
+            <a:stCxn id="28" idx="3"/>
+            <a:endCxn id="68" idx="1"/>
+          </p:cNvCxnSpPr>
+          <p:nvPr/>
+        </p:nvCxnSpPr>
+        <p:spPr>
+          <a:xfrm flipV="1">
+            <a:off x="2323095" y="3086613"/>
+            <a:ext cx="330268" cy="4709"/>
+          </a:xfrm>
+          <a:prstGeom prst="straightConnector1">
+            <a:avLst/>
+          </a:prstGeom>
+          <a:ln>
+            <a:tailEnd type="triangle"/>
+          </a:ln>
+        </p:spPr>
+        <p:style>
+          <a:lnRef idx="2">
+            <a:schemeClr val="dk1"/>
+          </a:lnRef>
+          <a:fillRef idx="0">
+            <a:schemeClr val="dk1"/>
+          </a:fillRef>
+          <a:effectRef idx="1">
+            <a:schemeClr val="dk1"/>
+          </a:effectRef>
+          <a:fontRef idx="minor">
+            <a:schemeClr val="tx1"/>
+          </a:fontRef>
+        </p:style>
+      </p:cxnSp>
+      <p:cxnSp>
+        <p:nvCxnSpPr>
+          <p:cNvPr id="75" name="直線矢印コネクタ 74">
+            <a:extLst>
+              <a:ext uri="{FF2B5EF4-FFF2-40B4-BE49-F238E27FC236}">
+                <a16:creationId xmlns:a16="http://schemas.microsoft.com/office/drawing/2014/main" id="{9F94EBC1-E2B7-9DD9-8BD0-A5F48B14C271}"/>
+              </a:ext>
+            </a:extLst>
+          </p:cNvPr>
+          <p:cNvCxnSpPr>
+            <a:cxnSpLocks/>
+            <a:stCxn id="68" idx="3"/>
+            <a:endCxn id="69" idx="1"/>
+          </p:cNvCxnSpPr>
+          <p:nvPr/>
+        </p:nvCxnSpPr>
+        <p:spPr>
+          <a:xfrm>
+            <a:off x="3783435" y="3086613"/>
+            <a:ext cx="531259" cy="4709"/>
+          </a:xfrm>
+          <a:prstGeom prst="straightConnector1">
+            <a:avLst/>
+          </a:prstGeom>
+          <a:ln>
+            <a:tailEnd type="triangle"/>
+          </a:ln>
+        </p:spPr>
+        <p:style>
+          <a:lnRef idx="2">
+            <a:schemeClr val="dk1"/>
+          </a:lnRef>
+          <a:fillRef idx="0">
+            <a:schemeClr val="dk1"/>
+          </a:fillRef>
+          <a:effectRef idx="1">
+            <a:schemeClr val="dk1"/>
+          </a:effectRef>
+          <a:fontRef idx="minor">
+            <a:schemeClr val="tx1"/>
+          </a:fontRef>
+        </p:style>
+      </p:cxnSp>
+      <p:cxnSp>
+        <p:nvCxnSpPr>
+          <p:cNvPr id="78" name="直線矢印コネクタ 77">
+            <a:extLst>
+              <a:ext uri="{FF2B5EF4-FFF2-40B4-BE49-F238E27FC236}">
+                <a16:creationId xmlns:a16="http://schemas.microsoft.com/office/drawing/2014/main" id="{56ADE164-59E6-C61A-8589-39A1538332C7}"/>
+              </a:ext>
+            </a:extLst>
+          </p:cNvPr>
+          <p:cNvCxnSpPr>
+            <a:cxnSpLocks/>
+            <a:stCxn id="69" idx="3"/>
+            <a:endCxn id="82" idx="1"/>
+          </p:cNvCxnSpPr>
+          <p:nvPr/>
+        </p:nvCxnSpPr>
+        <p:spPr>
+          <a:xfrm flipV="1">
+            <a:off x="6089519" y="3084566"/>
+            <a:ext cx="531259" cy="6756"/>
+          </a:xfrm>
+          <a:prstGeom prst="straightConnector1">
+            <a:avLst/>
+          </a:prstGeom>
+          <a:ln>
+            <a:tailEnd type="triangle"/>
+          </a:ln>
+        </p:spPr>
+        <p:style>
+          <a:lnRef idx="2">
+            <a:schemeClr val="dk1"/>
+          </a:lnRef>
+          <a:fillRef idx="0">
+            <a:schemeClr val="dk1"/>
+          </a:fillRef>
+          <a:effectRef idx="1">
+            <a:schemeClr val="dk1"/>
+          </a:effectRef>
+          <a:fontRef idx="minor">
+            <a:schemeClr val="tx1"/>
+          </a:fontRef>
+        </p:style>
+      </p:cxnSp>
+      <p:sp>
+        <p:nvSpPr>
+          <p:cNvPr id="82" name="四角形: 角を丸くする 81">
+            <a:extLst>
+              <a:ext uri="{FF2B5EF4-FFF2-40B4-BE49-F238E27FC236}">
+                <a16:creationId xmlns:a16="http://schemas.microsoft.com/office/drawing/2014/main" id="{840285DA-A59B-46A5-5907-BE6F1FC899E8}"/>
+              </a:ext>
+            </a:extLst>
+          </p:cNvPr>
+          <p:cNvSpPr/>
+          <p:nvPr/>
+        </p:nvSpPr>
+        <p:spPr>
+          <a:xfrm>
+            <a:off x="6620778" y="2912348"/>
+            <a:ext cx="1774825" cy="344435"/>
+          </a:xfrm>
+          <a:prstGeom prst="roundRect">
+            <a:avLst/>
+          </a:prstGeom>
+          <a:noFill/>
+          <a:ln>
+            <a:solidFill>
+              <a:schemeClr val="tx1"/>
+            </a:solidFill>
+          </a:ln>
+        </p:spPr>
+        <p:style>
+          <a:lnRef idx="2">
+            <a:schemeClr val="accent1">
+              <a:shade val="15000"/>
+            </a:schemeClr>
+          </a:lnRef>
+          <a:fillRef idx="1">
+            <a:schemeClr val="accent1"/>
+          </a:fillRef>
+          <a:effectRef idx="0">
+            <a:schemeClr val="accent1"/>
+          </a:effectRef>
+          <a:fontRef idx="minor">
+            <a:schemeClr val="lt1"/>
+          </a:fontRef>
+        </p:style>
+        <p:txBody>
+          <a:bodyPr rtlCol="0" anchor="ctr"/>
+          <a:lstStyle/>
+          <a:p>
+            <a:pPr algn="ctr"/>
+            <a:r>
+              <a:rPr lang="ja-JP" altLang="en-US" sz="1200" dirty="0">
+                <a:solidFill>
+                  <a:schemeClr val="tx1"/>
+                </a:solidFill>
+              </a:rPr>
+              <a:t>所見欄の作成</a:t>
+            </a:r>
+            <a:endParaRPr kumimoji="1" lang="ja-JP" altLang="en-US" sz="1200" dirty="0">
+              <a:solidFill>
+                <a:schemeClr val="tx1"/>
+              </a:solidFill>
+            </a:endParaRPr>
+          </a:p>
+        </p:txBody>
+      </p:sp>
+      <p:cxnSp>
+        <p:nvCxnSpPr>
+          <p:cNvPr id="86" name="直線矢印コネクタ 85">
+            <a:extLst>
+              <a:ext uri="{FF2B5EF4-FFF2-40B4-BE49-F238E27FC236}">
+                <a16:creationId xmlns:a16="http://schemas.microsoft.com/office/drawing/2014/main" id="{1407C4B7-AC3F-AC4D-5781-2D417D20464E}"/>
+              </a:ext>
+            </a:extLst>
+          </p:cNvPr>
+          <p:cNvCxnSpPr>
+            <a:cxnSpLocks/>
+            <a:stCxn id="82" idx="3"/>
+            <a:endCxn id="26" idx="1"/>
+          </p:cNvCxnSpPr>
+          <p:nvPr/>
+        </p:nvCxnSpPr>
+        <p:spPr>
+          <a:xfrm flipV="1">
+            <a:off x="8395603" y="3076291"/>
+            <a:ext cx="768718" cy="8275"/>
+          </a:xfrm>
+          <a:prstGeom prst="straightConnector1">
+            <a:avLst/>
+          </a:prstGeom>
+          <a:ln>
+            <a:tailEnd type="triangle"/>
+          </a:ln>
+        </p:spPr>
+        <p:style>
+          <a:lnRef idx="2">
+            <a:schemeClr val="dk1"/>
+          </a:lnRef>
+          <a:fillRef idx="0">
+            <a:schemeClr val="dk1"/>
+          </a:fillRef>
+          <a:effectRef idx="1">
+            <a:schemeClr val="dk1"/>
+          </a:effectRef>
+          <a:fontRef idx="minor">
+            <a:schemeClr val="tx1"/>
+          </a:fontRef>
+        </p:style>
+      </p:cxnSp>
+      <p:sp>
+        <p:nvSpPr>
+          <p:cNvPr id="97" name="テキスト ボックス 96">
+            <a:extLst>
+              <a:ext uri="{FF2B5EF4-FFF2-40B4-BE49-F238E27FC236}">
+                <a16:creationId xmlns:a16="http://schemas.microsoft.com/office/drawing/2014/main" id="{66AEAE37-8854-0A8B-DD34-09ECD857C4A8}"/>
+              </a:ext>
+            </a:extLst>
+          </p:cNvPr>
+          <p:cNvSpPr txBox="1"/>
+          <p:nvPr/>
+        </p:nvSpPr>
+        <p:spPr>
+          <a:xfrm>
+            <a:off x="7239431" y="2128714"/>
+            <a:ext cx="1137852" cy="276999"/>
+          </a:xfrm>
+          <a:prstGeom prst="rect">
+            <a:avLst/>
+          </a:prstGeom>
+          <a:noFill/>
+        </p:spPr>
+        <p:txBody>
+          <a:bodyPr wrap="square" rtlCol="0">
+            <a:spAutoFit/>
+          </a:bodyPr>
+          <a:lstStyle/>
+          <a:p>
+            <a:r>
+              <a:rPr kumimoji="1" lang="ja-JP" altLang="en-US" sz="1200" dirty="0"/>
+              <a:t>成績確定通知</a:t>
+            </a:r>
+          </a:p>
+        </p:txBody>
+      </p:sp>
+      <p:sp>
+        <p:nvSpPr>
+          <p:cNvPr id="98" name="四角形: 角を丸くする 97">
+            <a:extLst>
+              <a:ext uri="{FF2B5EF4-FFF2-40B4-BE49-F238E27FC236}">
+                <a16:creationId xmlns:a16="http://schemas.microsoft.com/office/drawing/2014/main" id="{0AF4E9BC-FC0B-60E0-0030-22DB2B81371F}"/>
+              </a:ext>
+            </a:extLst>
+          </p:cNvPr>
+          <p:cNvSpPr/>
+          <p:nvPr/>
+        </p:nvSpPr>
+        <p:spPr>
+          <a:xfrm>
+            <a:off x="4304399" y="4294280"/>
+            <a:ext cx="1774825" cy="344435"/>
+          </a:xfrm>
+          <a:prstGeom prst="roundRect">
+            <a:avLst/>
+          </a:prstGeom>
+          <a:noFill/>
+          <a:ln>
+            <a:solidFill>
+              <a:schemeClr val="tx1"/>
+            </a:solidFill>
+          </a:ln>
+        </p:spPr>
+        <p:style>
+          <a:lnRef idx="2">
+            <a:schemeClr val="accent1">
+              <a:shade val="15000"/>
+            </a:schemeClr>
+          </a:lnRef>
+          <a:fillRef idx="1">
+            <a:schemeClr val="accent1"/>
+          </a:fillRef>
+          <a:effectRef idx="0">
+            <a:schemeClr val="accent1"/>
+          </a:effectRef>
+          <a:fontRef idx="minor">
+            <a:schemeClr val="lt1"/>
+          </a:fontRef>
+        </p:style>
+        <p:txBody>
+          <a:bodyPr rtlCol="0" anchor="ctr"/>
+          <a:lstStyle/>
+          <a:p>
+            <a:pPr algn="ctr"/>
+            <a:r>
+              <a:rPr kumimoji="1" lang="ja-JP" altLang="en-US" sz="1200" dirty="0">
+                <a:solidFill>
+                  <a:schemeClr val="tx1"/>
+                </a:solidFill>
+              </a:rPr>
+              <a:t>通知表・順位の閲覧</a:t>
+            </a:r>
+          </a:p>
+        </p:txBody>
+      </p:sp>
+      <p:sp>
+        <p:nvSpPr>
+          <p:cNvPr id="99" name="四角形: 角を丸くする 98">
+            <a:extLst>
+              <a:ext uri="{FF2B5EF4-FFF2-40B4-BE49-F238E27FC236}">
+                <a16:creationId xmlns:a16="http://schemas.microsoft.com/office/drawing/2014/main" id="{35985051-E4DC-1A5F-C72D-C735D8E9BA58}"/>
+              </a:ext>
+            </a:extLst>
+          </p:cNvPr>
+          <p:cNvSpPr/>
+          <p:nvPr/>
+        </p:nvSpPr>
+        <p:spPr>
+          <a:xfrm>
+            <a:off x="6600189" y="4285315"/>
+            <a:ext cx="1774825" cy="344435"/>
+          </a:xfrm>
+          <a:prstGeom prst="roundRect">
+            <a:avLst/>
+          </a:prstGeom>
+          <a:noFill/>
+          <a:ln>
+            <a:solidFill>
+              <a:schemeClr val="tx1"/>
+            </a:solidFill>
+          </a:ln>
+        </p:spPr>
+        <p:style>
+          <a:lnRef idx="2">
+            <a:schemeClr val="accent1">
+              <a:shade val="15000"/>
+            </a:schemeClr>
+          </a:lnRef>
+          <a:fillRef idx="1">
+            <a:schemeClr val="accent1"/>
+          </a:fillRef>
+          <a:effectRef idx="0">
+            <a:schemeClr val="accent1"/>
+          </a:effectRef>
+          <a:fontRef idx="minor">
+            <a:schemeClr val="lt1"/>
+          </a:fontRef>
+        </p:style>
+        <p:txBody>
+          <a:bodyPr rtlCol="0" anchor="ctr"/>
+          <a:lstStyle/>
+          <a:p>
+            <a:pPr algn="ctr"/>
+            <a:r>
+              <a:rPr lang="ja-JP" altLang="en-US" sz="1200" dirty="0">
+                <a:solidFill>
+                  <a:schemeClr val="tx1"/>
+                </a:solidFill>
+              </a:rPr>
+              <a:t>進路計画の作成</a:t>
+            </a:r>
+            <a:endParaRPr kumimoji="1" lang="ja-JP" altLang="en-US" sz="1200" dirty="0">
+              <a:solidFill>
+                <a:schemeClr val="tx1"/>
+              </a:solidFill>
+            </a:endParaRPr>
+          </a:p>
+        </p:txBody>
+      </p:sp>
+      <p:sp>
+        <p:nvSpPr>
+          <p:cNvPr id="100" name="四角形: 角を丸くする 99">
+            <a:extLst>
+              <a:ext uri="{FF2B5EF4-FFF2-40B4-BE49-F238E27FC236}">
+                <a16:creationId xmlns:a16="http://schemas.microsoft.com/office/drawing/2014/main" id="{2C5DD176-09CB-2617-A1DA-2440B0DBF983}"/>
+              </a:ext>
+            </a:extLst>
+          </p:cNvPr>
+          <p:cNvSpPr/>
+          <p:nvPr/>
+        </p:nvSpPr>
+        <p:spPr>
+          <a:xfrm>
+            <a:off x="2653362" y="4303529"/>
+            <a:ext cx="1130072" cy="344434"/>
+          </a:xfrm>
+          <a:prstGeom prst="roundRect">
+            <a:avLst/>
+          </a:prstGeom>
+          <a:noFill/>
+          <a:ln>
+            <a:solidFill>
+              <a:schemeClr val="tx1"/>
+            </a:solidFill>
+          </a:ln>
+        </p:spPr>
+        <p:style>
+          <a:lnRef idx="2">
+            <a:schemeClr val="accent1">
+              <a:shade val="15000"/>
+            </a:schemeClr>
+          </a:lnRef>
+          <a:fillRef idx="1">
+            <a:schemeClr val="accent1"/>
+          </a:fillRef>
+          <a:effectRef idx="0">
+            <a:schemeClr val="accent1"/>
+          </a:effectRef>
+          <a:fontRef idx="minor">
+            <a:schemeClr val="lt1"/>
+          </a:fontRef>
+        </p:style>
+        <p:txBody>
+          <a:bodyPr rtlCol="0" anchor="ctr"/>
+          <a:lstStyle/>
+          <a:p>
+            <a:pPr algn="ctr"/>
+            <a:r>
+              <a:rPr lang="ja-JP" altLang="en-US" sz="1200" dirty="0">
+                <a:solidFill>
+                  <a:schemeClr val="tx1"/>
+                </a:solidFill>
+              </a:rPr>
+              <a:t>生徒の選択</a:t>
+            </a:r>
+            <a:endParaRPr kumimoji="1" lang="ja-JP" altLang="en-US" sz="1200" dirty="0">
+              <a:solidFill>
+                <a:schemeClr val="tx1"/>
+              </a:solidFill>
+            </a:endParaRPr>
+          </a:p>
+        </p:txBody>
+      </p:sp>
+      <p:cxnSp>
+        <p:nvCxnSpPr>
+          <p:cNvPr id="101" name="直線矢印コネクタ 100">
+            <a:extLst>
+              <a:ext uri="{FF2B5EF4-FFF2-40B4-BE49-F238E27FC236}">
+                <a16:creationId xmlns:a16="http://schemas.microsoft.com/office/drawing/2014/main" id="{ADF53EA5-7E72-99A3-CFD3-546011283AE9}"/>
+              </a:ext>
+            </a:extLst>
+          </p:cNvPr>
+          <p:cNvCxnSpPr>
+            <a:cxnSpLocks/>
+            <a:stCxn id="27" idx="3"/>
+            <a:endCxn id="100" idx="1"/>
+          </p:cNvCxnSpPr>
+          <p:nvPr/>
+        </p:nvCxnSpPr>
+        <p:spPr>
+          <a:xfrm flipV="1">
+            <a:off x="2322676" y="4475746"/>
+            <a:ext cx="330686" cy="2"/>
+          </a:xfrm>
+          <a:prstGeom prst="straightConnector1">
+            <a:avLst/>
+          </a:prstGeom>
+          <a:ln>
+            <a:tailEnd type="triangle"/>
+          </a:ln>
+        </p:spPr>
+        <p:style>
+          <a:lnRef idx="2">
+            <a:schemeClr val="dk1"/>
+          </a:lnRef>
+          <a:fillRef idx="0">
+            <a:schemeClr val="dk1"/>
+          </a:fillRef>
+          <a:effectRef idx="1">
+            <a:schemeClr val="dk1"/>
+          </a:effectRef>
+          <a:fontRef idx="minor">
+            <a:schemeClr val="tx1"/>
+          </a:fontRef>
+        </p:style>
+      </p:cxnSp>
+      <p:cxnSp>
+        <p:nvCxnSpPr>
+          <p:cNvPr id="104" name="直線矢印コネクタ 103">
+            <a:extLst>
+              <a:ext uri="{FF2B5EF4-FFF2-40B4-BE49-F238E27FC236}">
+                <a16:creationId xmlns:a16="http://schemas.microsoft.com/office/drawing/2014/main" id="{C0D49A29-A578-898A-4DB7-51E01BA7FADE}"/>
+              </a:ext>
+            </a:extLst>
+          </p:cNvPr>
+          <p:cNvCxnSpPr>
+            <a:cxnSpLocks/>
+            <a:stCxn id="100" idx="3"/>
+            <a:endCxn id="98" idx="1"/>
+          </p:cNvCxnSpPr>
+          <p:nvPr/>
+        </p:nvCxnSpPr>
+        <p:spPr>
+          <a:xfrm flipV="1">
+            <a:off x="3783434" y="4466498"/>
+            <a:ext cx="520965" cy="9248"/>
+          </a:xfrm>
+          <a:prstGeom prst="straightConnector1">
+            <a:avLst/>
+          </a:prstGeom>
+          <a:ln>
+            <a:tailEnd type="triangle"/>
+          </a:ln>
+        </p:spPr>
+        <p:style>
+          <a:lnRef idx="2">
+            <a:schemeClr val="dk1"/>
+          </a:lnRef>
+          <a:fillRef idx="0">
+            <a:schemeClr val="dk1"/>
+          </a:fillRef>
+          <a:effectRef idx="1">
+            <a:schemeClr val="dk1"/>
+          </a:effectRef>
+          <a:fontRef idx="minor">
+            <a:schemeClr val="tx1"/>
+          </a:fontRef>
+        </p:style>
+      </p:cxnSp>
+      <p:cxnSp>
+        <p:nvCxnSpPr>
+          <p:cNvPr id="107" name="直線矢印コネクタ 106">
+            <a:extLst>
+              <a:ext uri="{FF2B5EF4-FFF2-40B4-BE49-F238E27FC236}">
+                <a16:creationId xmlns:a16="http://schemas.microsoft.com/office/drawing/2014/main" id="{AAE47AB5-2154-B3A8-6B21-617D0C0BF8FB}"/>
+              </a:ext>
+            </a:extLst>
+          </p:cNvPr>
+          <p:cNvCxnSpPr>
+            <a:cxnSpLocks/>
+            <a:stCxn id="98" idx="3"/>
+            <a:endCxn id="99" idx="1"/>
+          </p:cNvCxnSpPr>
+          <p:nvPr/>
+        </p:nvCxnSpPr>
+        <p:spPr>
+          <a:xfrm flipV="1">
+            <a:off x="6079224" y="4457533"/>
+            <a:ext cx="520965" cy="8965"/>
+          </a:xfrm>
+          <a:prstGeom prst="straightConnector1">
+            <a:avLst/>
+          </a:prstGeom>
+          <a:ln>
+            <a:tailEnd type="triangle"/>
+          </a:ln>
+        </p:spPr>
+        <p:style>
+          <a:lnRef idx="2">
+            <a:schemeClr val="dk1"/>
+          </a:lnRef>
+          <a:fillRef idx="0">
+            <a:schemeClr val="dk1"/>
+          </a:fillRef>
+          <a:effectRef idx="1">
+            <a:schemeClr val="dk1"/>
+          </a:effectRef>
+          <a:fontRef idx="minor">
+            <a:schemeClr val="tx1"/>
+          </a:fontRef>
+        </p:style>
+      </p:cxnSp>
+      <p:cxnSp>
+        <p:nvCxnSpPr>
+          <p:cNvPr id="113" name="直線矢印コネクタ 112">
+            <a:extLst>
+              <a:ext uri="{FF2B5EF4-FFF2-40B4-BE49-F238E27FC236}">
+                <a16:creationId xmlns:a16="http://schemas.microsoft.com/office/drawing/2014/main" id="{43FE9ACC-60A3-6656-C878-47B923867B8F}"/>
+              </a:ext>
+            </a:extLst>
+          </p:cNvPr>
+          <p:cNvCxnSpPr>
+            <a:cxnSpLocks/>
+            <a:endCxn id="30" idx="1"/>
+          </p:cNvCxnSpPr>
+          <p:nvPr/>
+        </p:nvCxnSpPr>
+        <p:spPr>
+          <a:xfrm>
+            <a:off x="2336663" y="5969349"/>
+            <a:ext cx="513078" cy="0"/>
+          </a:xfrm>
+          <a:prstGeom prst="straightConnector1">
+            <a:avLst/>
+          </a:prstGeom>
+          <a:ln>
+            <a:tailEnd type="triangle"/>
+          </a:ln>
+        </p:spPr>
+        <p:style>
+          <a:lnRef idx="2">
+            <a:schemeClr val="dk1"/>
+          </a:lnRef>
+          <a:fillRef idx="0">
+            <a:schemeClr val="dk1"/>
+          </a:fillRef>
+          <a:effectRef idx="1">
+            <a:schemeClr val="dk1"/>
+          </a:effectRef>
+          <a:fontRef idx="minor">
+            <a:schemeClr val="tx1"/>
+          </a:fontRef>
+        </p:style>
+      </p:cxnSp>
+      <p:cxnSp>
+        <p:nvCxnSpPr>
+          <p:cNvPr id="118" name="コネクタ: 曲線 117">
+            <a:extLst>
+              <a:ext uri="{FF2B5EF4-FFF2-40B4-BE49-F238E27FC236}">
+                <a16:creationId xmlns:a16="http://schemas.microsoft.com/office/drawing/2014/main" id="{482D423F-793E-6ED4-69D8-41A4005DA29F}"/>
+              </a:ext>
+            </a:extLst>
+          </p:cNvPr>
+          <p:cNvCxnSpPr>
+            <a:cxnSpLocks/>
+            <a:stCxn id="26" idx="2"/>
+          </p:cNvCxnSpPr>
+          <p:nvPr/>
+        </p:nvCxnSpPr>
+        <p:spPr>
+          <a:xfrm rot="5400000">
+            <a:off x="7099411" y="1351205"/>
+            <a:ext cx="1055021" cy="4849627"/>
+          </a:xfrm>
+          <a:prstGeom prst="curvedConnector2">
+            <a:avLst/>
+          </a:prstGeom>
+          <a:ln>
+            <a:tailEnd type="triangle"/>
+          </a:ln>
+        </p:spPr>
+        <p:style>
+          <a:lnRef idx="2">
+            <a:schemeClr val="dk1"/>
+          </a:lnRef>
+          <a:fillRef idx="0">
+            <a:schemeClr val="dk1"/>
+          </a:fillRef>
+          <a:effectRef idx="1">
+            <a:schemeClr val="dk1"/>
+          </a:effectRef>
+          <a:fontRef idx="minor">
+            <a:schemeClr val="tx1"/>
+          </a:fontRef>
+        </p:style>
+      </p:cxnSp>
+      <p:cxnSp>
+        <p:nvCxnSpPr>
+          <p:cNvPr id="121" name="コネクタ: 曲線 120">
+            <a:extLst>
+              <a:ext uri="{FF2B5EF4-FFF2-40B4-BE49-F238E27FC236}">
+                <a16:creationId xmlns:a16="http://schemas.microsoft.com/office/drawing/2014/main" id="{696477B3-BFE9-8E32-C9FE-95A82AB1CF4F}"/>
+              </a:ext>
+            </a:extLst>
+          </p:cNvPr>
+          <p:cNvCxnSpPr>
+            <a:cxnSpLocks/>
+            <a:endCxn id="30" idx="2"/>
+          </p:cNvCxnSpPr>
+          <p:nvPr/>
+        </p:nvCxnSpPr>
+        <p:spPr>
+          <a:xfrm rot="10800000" flipV="1">
+            <a:off x="3737155" y="3263536"/>
+            <a:ext cx="6314585" cy="2878029"/>
+          </a:xfrm>
+          <a:prstGeom prst="curvedConnector4">
+            <a:avLst>
+              <a:gd name="adj1" fmla="val -13140"/>
+              <a:gd name="adj2" fmla="val 107943"/>
+            </a:avLst>
+          </a:prstGeom>
+          <a:ln>
+            <a:tailEnd type="triangle"/>
+          </a:ln>
+        </p:spPr>
+        <p:style>
+          <a:lnRef idx="2">
+            <a:schemeClr val="dk1"/>
+          </a:lnRef>
+          <a:fillRef idx="0">
+            <a:schemeClr val="dk1"/>
+          </a:fillRef>
+          <a:effectRef idx="1">
+            <a:schemeClr val="dk1"/>
+          </a:effectRef>
+          <a:fontRef idx="minor">
+            <a:schemeClr val="tx1"/>
+          </a:fontRef>
+        </p:style>
+      </p:cxnSp>
+      <p:sp>
+        <p:nvSpPr>
+          <p:cNvPr id="124" name="テキスト ボックス 123">
+            <a:extLst>
+              <a:ext uri="{FF2B5EF4-FFF2-40B4-BE49-F238E27FC236}">
+                <a16:creationId xmlns:a16="http://schemas.microsoft.com/office/drawing/2014/main" id="{FD61FCA5-BBA1-1178-2E33-D7B5B4113B95}"/>
+              </a:ext>
+            </a:extLst>
+          </p:cNvPr>
+          <p:cNvSpPr txBox="1"/>
+          <p:nvPr/>
+        </p:nvSpPr>
+        <p:spPr>
+          <a:xfrm>
+            <a:off x="5656583" y="3965033"/>
+            <a:ext cx="1270000" cy="276999"/>
+          </a:xfrm>
+          <a:prstGeom prst="rect">
+            <a:avLst/>
+          </a:prstGeom>
+          <a:noFill/>
+        </p:spPr>
+        <p:txBody>
+          <a:bodyPr wrap="square" rtlCol="0">
+            <a:spAutoFit/>
+          </a:bodyPr>
+          <a:lstStyle/>
+          <a:p>
+            <a:r>
+              <a:rPr kumimoji="1" lang="ja-JP" altLang="en-US" sz="1200" dirty="0"/>
+              <a:t>通知表確定通知</a:t>
+            </a:r>
+          </a:p>
+        </p:txBody>
+      </p:sp>
+      <p:sp>
+        <p:nvSpPr>
+          <p:cNvPr id="125" name="テキスト ボックス 124">
+            <a:extLst>
+              <a:ext uri="{FF2B5EF4-FFF2-40B4-BE49-F238E27FC236}">
+                <a16:creationId xmlns:a16="http://schemas.microsoft.com/office/drawing/2014/main" id="{70CCC9A5-3487-818F-C4DF-DF163498174E}"/>
+              </a:ext>
+            </a:extLst>
+          </p:cNvPr>
+          <p:cNvSpPr txBox="1"/>
+          <p:nvPr/>
+        </p:nvSpPr>
+        <p:spPr>
+          <a:xfrm>
+            <a:off x="6191038" y="6057900"/>
+            <a:ext cx="1157825" cy="276999"/>
+          </a:xfrm>
+          <a:prstGeom prst="rect">
+            <a:avLst/>
+          </a:prstGeom>
+          <a:noFill/>
+        </p:spPr>
+        <p:txBody>
+          <a:bodyPr wrap="square" rtlCol="0">
+            <a:spAutoFit/>
+          </a:bodyPr>
+          <a:lstStyle/>
+          <a:p>
+            <a:r>
+              <a:rPr kumimoji="1" lang="ja-JP" altLang="en-US" sz="1200" dirty="0"/>
+              <a:t>成績公開通知</a:t>
+            </a:r>
+          </a:p>
+        </p:txBody>
+      </p:sp>
+      <p:cxnSp>
+        <p:nvCxnSpPr>
+          <p:cNvPr id="127" name="直線矢印コネクタ 126">
+            <a:extLst>
+              <a:ext uri="{FF2B5EF4-FFF2-40B4-BE49-F238E27FC236}">
+                <a16:creationId xmlns:a16="http://schemas.microsoft.com/office/drawing/2014/main" id="{D9C57486-F817-5207-2858-B98985BE7214}"/>
+              </a:ext>
+            </a:extLst>
+          </p:cNvPr>
+          <p:cNvCxnSpPr>
+            <a:stCxn id="30" idx="3"/>
+            <a:endCxn id="29" idx="2"/>
+          </p:cNvCxnSpPr>
+          <p:nvPr/>
+        </p:nvCxnSpPr>
+        <p:spPr>
+          <a:xfrm>
+            <a:off x="4624566" y="5969349"/>
+            <a:ext cx="6521138" cy="0"/>
+          </a:xfrm>
+          <a:prstGeom prst="straightConnector1">
+            <a:avLst/>
+          </a:prstGeom>
+          <a:ln>
+            <a:tailEnd type="triangle"/>
+          </a:ln>
+        </p:spPr>
+        <p:style>
+          <a:lnRef idx="2">
+            <a:schemeClr val="dk1"/>
+          </a:lnRef>
+          <a:fillRef idx="0">
+            <a:schemeClr val="dk1"/>
+          </a:fillRef>
+          <a:effectRef idx="1">
+            <a:schemeClr val="dk1"/>
           </a:effectRef>
           <a:fontRef idx="minor">
             <a:schemeClr val="tx1"/>
